--- a/docs/diagrams/UpdateTableStartingStateListDiagram.pptx
+++ b/docs/diagrams/UpdateTableStartingStateListDiagram.pptx
@@ -2967,7 +2967,7 @@
         <p:spPr>
           <a:xfrm>
             <a:off x="529554" y="2669293"/>
-            <a:ext cx="11364686" cy="618187"/>
+            <a:ext cx="11123730" cy="618187"/>
           </a:xfrm>
           <a:prstGeom prst="rect">
             <a:avLst/>
